--- a/materials/ch02/ch02_2-小程序基本结构.pptx
+++ b/materials/ch02/ch02_2-小程序基本结构.pptx
@@ -283,7 +283,7 @@
           <a:p>
             <a:fld id="{BBF6169D-416D-4C06-B08B-5CE62A641987}" type="datetimeFigureOut">
               <a:rPr lang="zh-CN" altLang="en-US" smtClean="0"/>
-              <a:t>2019/8/27</a:t>
+              <a:t>2019/9/3</a:t>
             </a:fld>
             <a:endParaRPr lang="zh-CN" altLang="en-US"/>
           </a:p>
@@ -481,7 +481,7 @@
           <a:p>
             <a:fld id="{BBF6169D-416D-4C06-B08B-5CE62A641987}" type="datetimeFigureOut">
               <a:rPr lang="zh-CN" altLang="en-US" smtClean="0"/>
-              <a:t>2019/8/27</a:t>
+              <a:t>2019/9/3</a:t>
             </a:fld>
             <a:endParaRPr lang="zh-CN" altLang="en-US"/>
           </a:p>
@@ -689,7 +689,7 @@
           <a:p>
             <a:fld id="{BBF6169D-416D-4C06-B08B-5CE62A641987}" type="datetimeFigureOut">
               <a:rPr lang="zh-CN" altLang="en-US" smtClean="0"/>
-              <a:t>2019/8/27</a:t>
+              <a:t>2019/9/3</a:t>
             </a:fld>
             <a:endParaRPr lang="zh-CN" altLang="en-US"/>
           </a:p>
@@ -887,7 +887,7 @@
           <a:p>
             <a:fld id="{BBF6169D-416D-4C06-B08B-5CE62A641987}" type="datetimeFigureOut">
               <a:rPr lang="zh-CN" altLang="en-US" smtClean="0"/>
-              <a:t>2019/8/27</a:t>
+              <a:t>2019/9/3</a:t>
             </a:fld>
             <a:endParaRPr lang="zh-CN" altLang="en-US"/>
           </a:p>
@@ -1162,7 +1162,7 @@
           <a:p>
             <a:fld id="{BBF6169D-416D-4C06-B08B-5CE62A641987}" type="datetimeFigureOut">
               <a:rPr lang="zh-CN" altLang="en-US" smtClean="0"/>
-              <a:t>2019/8/27</a:t>
+              <a:t>2019/9/3</a:t>
             </a:fld>
             <a:endParaRPr lang="zh-CN" altLang="en-US"/>
           </a:p>
@@ -1427,7 +1427,7 @@
           <a:p>
             <a:fld id="{BBF6169D-416D-4C06-B08B-5CE62A641987}" type="datetimeFigureOut">
               <a:rPr lang="zh-CN" altLang="en-US" smtClean="0"/>
-              <a:t>2019/8/27</a:t>
+              <a:t>2019/9/3</a:t>
             </a:fld>
             <a:endParaRPr lang="zh-CN" altLang="en-US"/>
           </a:p>
@@ -1839,7 +1839,7 @@
           <a:p>
             <a:fld id="{BBF6169D-416D-4C06-B08B-5CE62A641987}" type="datetimeFigureOut">
               <a:rPr lang="zh-CN" altLang="en-US" smtClean="0"/>
-              <a:t>2019/8/27</a:t>
+              <a:t>2019/9/3</a:t>
             </a:fld>
             <a:endParaRPr lang="zh-CN" altLang="en-US"/>
           </a:p>
@@ -1980,7 +1980,7 @@
           <a:p>
             <a:fld id="{BBF6169D-416D-4C06-B08B-5CE62A641987}" type="datetimeFigureOut">
               <a:rPr lang="zh-CN" altLang="en-US" smtClean="0"/>
-              <a:t>2019/8/27</a:t>
+              <a:t>2019/9/3</a:t>
             </a:fld>
             <a:endParaRPr lang="zh-CN" altLang="en-US"/>
           </a:p>
@@ -2093,7 +2093,7 @@
           <a:p>
             <a:fld id="{BBF6169D-416D-4C06-B08B-5CE62A641987}" type="datetimeFigureOut">
               <a:rPr lang="zh-CN" altLang="en-US" smtClean="0"/>
-              <a:t>2019/8/27</a:t>
+              <a:t>2019/9/3</a:t>
             </a:fld>
             <a:endParaRPr lang="zh-CN" altLang="en-US"/>
           </a:p>
@@ -2404,7 +2404,7 @@
           <a:p>
             <a:fld id="{BBF6169D-416D-4C06-B08B-5CE62A641987}" type="datetimeFigureOut">
               <a:rPr lang="zh-CN" altLang="en-US" smtClean="0"/>
-              <a:t>2019/8/27</a:t>
+              <a:t>2019/9/3</a:t>
             </a:fld>
             <a:endParaRPr lang="zh-CN" altLang="en-US"/>
           </a:p>
@@ -2692,7 +2692,7 @@
           <a:p>
             <a:fld id="{BBF6169D-416D-4C06-B08B-5CE62A641987}" type="datetimeFigureOut">
               <a:rPr lang="zh-CN" altLang="en-US" smtClean="0"/>
-              <a:t>2019/8/27</a:t>
+              <a:t>2019/9/3</a:t>
             </a:fld>
             <a:endParaRPr lang="zh-CN" altLang="en-US"/>
           </a:p>
@@ -2933,7 +2933,7 @@
           <a:p>
             <a:fld id="{BBF6169D-416D-4C06-B08B-5CE62A641987}" type="datetimeFigureOut">
               <a:rPr lang="zh-CN" altLang="en-US" smtClean="0"/>
-              <a:t>2019/8/27</a:t>
+              <a:t>2019/9/3</a:t>
             </a:fld>
             <a:endParaRPr lang="zh-CN" altLang="en-US"/>
           </a:p>
@@ -5066,15 +5066,7 @@
             </a:r>
             <a:r>
               <a:rPr lang="zh-CN" altLang="en-US" dirty="0"/>
-              <a:t>实例会执行注册的</a:t>
-            </a:r>
-            <a:r>
-              <a:rPr lang="en-US" altLang="zh-CN" dirty="0" err="1"/>
-              <a:t>onLaunch</a:t>
-            </a:r>
-            <a:r>
-              <a:rPr lang="zh-CN" altLang="en-US" dirty="0"/>
-              <a:t>回调函数。</a:t>
+              <a:t>实例会执行注册的回调函数。</a:t>
             </a:r>
             <a:endParaRPr lang="en-US" altLang="zh-CN" dirty="0"/>
           </a:p>
